--- a/vss-2019/img/continuous-architecting.pptx
+++ b/vss-2019/img/continuous-architecting.pptx
@@ -104,6 +104,11 @@
       </a:defRPr>
     </a:lvl9pPr>
   </p:defaultTextStyle>
+  <p:extLst>
+    <p:ext uri="{EFAFB233-063F-42B5-8137-9DF3F51BA10A}">
+      <p15:sldGuideLst xmlns:p15="http://schemas.microsoft.com/office/powerpoint/2012/main"/>
+    </p:ext>
+  </p:extLst>
 </p:presentation>
 </file>
 
@@ -254,7 +259,7 @@
           <a:p>
             <a:fld id="{951CD6E1-9E59-104C-B037-C228D638B169}" type="datetimeFigureOut">
               <a:rPr lang="en-US" smtClean="0"/>
-              <a:t>8/28/19</a:t>
+              <a:t>8/29/19</a:t>
             </a:fld>
             <a:endParaRPr lang="en-US"/>
           </a:p>
@@ -452,7 +457,7 @@
           <a:p>
             <a:fld id="{951CD6E1-9E59-104C-B037-C228D638B169}" type="datetimeFigureOut">
               <a:rPr lang="en-US" smtClean="0"/>
-              <a:t>8/28/19</a:t>
+              <a:t>8/29/19</a:t>
             </a:fld>
             <a:endParaRPr lang="en-US"/>
           </a:p>
@@ -660,7 +665,7 @@
           <a:p>
             <a:fld id="{951CD6E1-9E59-104C-B037-C228D638B169}" type="datetimeFigureOut">
               <a:rPr lang="en-US" smtClean="0"/>
-              <a:t>8/28/19</a:t>
+              <a:t>8/29/19</a:t>
             </a:fld>
             <a:endParaRPr lang="en-US"/>
           </a:p>
@@ -858,7 +863,7 @@
           <a:p>
             <a:fld id="{951CD6E1-9E59-104C-B037-C228D638B169}" type="datetimeFigureOut">
               <a:rPr lang="en-US" smtClean="0"/>
-              <a:t>8/28/19</a:t>
+              <a:t>8/29/19</a:t>
             </a:fld>
             <a:endParaRPr lang="en-US"/>
           </a:p>
@@ -1133,7 +1138,7 @@
           <a:p>
             <a:fld id="{951CD6E1-9E59-104C-B037-C228D638B169}" type="datetimeFigureOut">
               <a:rPr lang="en-US" smtClean="0"/>
-              <a:t>8/28/19</a:t>
+              <a:t>8/29/19</a:t>
             </a:fld>
             <a:endParaRPr lang="en-US"/>
           </a:p>
@@ -1398,7 +1403,7 @@
           <a:p>
             <a:fld id="{951CD6E1-9E59-104C-B037-C228D638B169}" type="datetimeFigureOut">
               <a:rPr lang="en-US" smtClean="0"/>
-              <a:t>8/28/19</a:t>
+              <a:t>8/29/19</a:t>
             </a:fld>
             <a:endParaRPr lang="en-US"/>
           </a:p>
@@ -1810,7 +1815,7 @@
           <a:p>
             <a:fld id="{951CD6E1-9E59-104C-B037-C228D638B169}" type="datetimeFigureOut">
               <a:rPr lang="en-US" smtClean="0"/>
-              <a:t>8/28/19</a:t>
+              <a:t>8/29/19</a:t>
             </a:fld>
             <a:endParaRPr lang="en-US"/>
           </a:p>
@@ -1951,7 +1956,7 @@
           <a:p>
             <a:fld id="{951CD6E1-9E59-104C-B037-C228D638B169}" type="datetimeFigureOut">
               <a:rPr lang="en-US" smtClean="0"/>
-              <a:t>8/28/19</a:t>
+              <a:t>8/29/19</a:t>
             </a:fld>
             <a:endParaRPr lang="en-US"/>
           </a:p>
@@ -2064,7 +2069,7 @@
           <a:p>
             <a:fld id="{951CD6E1-9E59-104C-B037-C228D638B169}" type="datetimeFigureOut">
               <a:rPr lang="en-US" smtClean="0"/>
-              <a:t>8/28/19</a:t>
+              <a:t>8/29/19</a:t>
             </a:fld>
             <a:endParaRPr lang="en-US"/>
           </a:p>
@@ -2375,7 +2380,7 @@
           <a:p>
             <a:fld id="{951CD6E1-9E59-104C-B037-C228D638B169}" type="datetimeFigureOut">
               <a:rPr lang="en-US" smtClean="0"/>
-              <a:t>8/28/19</a:t>
+              <a:t>8/29/19</a:t>
             </a:fld>
             <a:endParaRPr lang="en-US"/>
           </a:p>
@@ -2663,7 +2668,7 @@
           <a:p>
             <a:fld id="{951CD6E1-9E59-104C-B037-C228D638B169}" type="datetimeFigureOut">
               <a:rPr lang="en-US" smtClean="0"/>
-              <a:t>8/28/19</a:t>
+              <a:t>8/29/19</a:t>
             </a:fld>
             <a:endParaRPr lang="en-US"/>
           </a:p>
@@ -2904,7 +2909,7 @@
           <a:p>
             <a:fld id="{951CD6E1-9E59-104C-B037-C228D638B169}" type="datetimeFigureOut">
               <a:rPr lang="en-US" smtClean="0"/>
-              <a:t>8/28/19</a:t>
+              <a:t>8/29/19</a:t>
             </a:fld>
             <a:endParaRPr lang="en-US"/>
           </a:p>
@@ -7321,6 +7326,36 @@
           </a:p>
         </p:txBody>
       </p:sp>
+      <p:pic>
+        <p:nvPicPr>
+          <p:cNvPr id="7" name="Picture 6">
+            <a:extLst>
+              <a:ext uri="{FF2B5EF4-FFF2-40B4-BE49-F238E27FC236}">
+                <a16:creationId xmlns:a16="http://schemas.microsoft.com/office/drawing/2014/main" id="{B51622F7-7FB6-1E43-945C-A6EBBEE333E4}"/>
+              </a:ext>
+            </a:extLst>
+          </p:cNvPr>
+          <p:cNvPicPr>
+            <a:picLocks noChangeAspect="1"/>
+          </p:cNvPicPr>
+          <p:nvPr/>
+        </p:nvPicPr>
+        <p:blipFill>
+          <a:blip r:embed="rId4"/>
+          <a:stretch>
+            <a:fillRect/>
+          </a:stretch>
+        </p:blipFill>
+        <p:spPr>
+          <a:xfrm>
+            <a:off x="2232236" y="814732"/>
+            <a:ext cx="1104184" cy="551658"/>
+          </a:xfrm>
+          <a:prstGeom prst="rect">
+            <a:avLst/>
+          </a:prstGeom>
+        </p:spPr>
+      </p:pic>
     </p:spTree>
     <p:extLst>
       <p:ext uri="{BB962C8B-B14F-4D97-AF65-F5344CB8AC3E}">

--- a/vss-2019/img/continuous-architecting.pptx
+++ b/vss-2019/img/continuous-architecting.pptx
@@ -3340,8 +3340,8 @@
         </p:nvSpPr>
         <p:spPr>
           <a:xfrm>
-            <a:off x="1635033" y="382468"/>
-            <a:ext cx="9887568" cy="4783089"/>
+            <a:off x="1630418" y="391312"/>
+            <a:ext cx="9892183" cy="4774245"/>
           </a:xfrm>
           <a:custGeom>
             <a:avLst/>
@@ -4894,6 +4894,114 @@
               <a:gd name="connsiteY16" fmla="*/ 1430289 h 4783089"/>
               <a:gd name="connsiteX17" fmla="*/ 209809 w 9887568"/>
               <a:gd name="connsiteY17" fmla="*/ 724435 h 4783089"/>
+              <a:gd name="connsiteX0" fmla="*/ 302164 w 9887325"/>
+              <a:gd name="connsiteY0" fmla="*/ 426224 h 4774245"/>
+              <a:gd name="connsiteX1" fmla="*/ 1364597 w 9887325"/>
+              <a:gd name="connsiteY1" fmla="*/ 89952 h 4774245"/>
+              <a:gd name="connsiteX2" fmla="*/ 5343040 w 9887325"/>
+              <a:gd name="connsiteY2" fmla="*/ 9740 h 4774245"/>
+              <a:gd name="connsiteX3" fmla="*/ 7669145 w 9887325"/>
+              <a:gd name="connsiteY3" fmla="*/ 266413 h 4774245"/>
+              <a:gd name="connsiteX4" fmla="*/ 9369609 w 9887325"/>
+              <a:gd name="connsiteY4" fmla="*/ 747676 h 4774245"/>
+              <a:gd name="connsiteX5" fmla="*/ 9882956 w 9887325"/>
+              <a:gd name="connsiteY5" fmla="*/ 2303761 h 4774245"/>
+              <a:gd name="connsiteX6" fmla="*/ 9578155 w 9887325"/>
+              <a:gd name="connsiteY6" fmla="*/ 3779634 h 4774245"/>
+              <a:gd name="connsiteX7" fmla="*/ 8920429 w 9887325"/>
+              <a:gd name="connsiteY7" fmla="*/ 4485487 h 4774245"/>
+              <a:gd name="connsiteX8" fmla="*/ 7540808 w 9887325"/>
+              <a:gd name="connsiteY8" fmla="*/ 4758203 h 4774245"/>
+              <a:gd name="connsiteX9" fmla="*/ 5984724 w 9887325"/>
+              <a:gd name="connsiteY9" fmla="*/ 4774245 h 4774245"/>
+              <a:gd name="connsiteX10" fmla="*/ 4556977 w 9887325"/>
+              <a:gd name="connsiteY10" fmla="*/ 4309024 h 4774245"/>
+              <a:gd name="connsiteX11" fmla="*/ 3706745 w 9887325"/>
+              <a:gd name="connsiteY11" fmla="*/ 3073782 h 4774245"/>
+              <a:gd name="connsiteX12" fmla="*/ 3434029 w 9887325"/>
+              <a:gd name="connsiteY12" fmla="*/ 2175424 h 4774245"/>
+              <a:gd name="connsiteX13" fmla="*/ 2214829 w 9887325"/>
+              <a:gd name="connsiteY13" fmla="*/ 2015003 h 4774245"/>
+              <a:gd name="connsiteX14" fmla="*/ 771040 w 9887325"/>
+              <a:gd name="connsiteY14" fmla="*/ 2095213 h 4774245"/>
+              <a:gd name="connsiteX15" fmla="*/ 225607 w 9887325"/>
+              <a:gd name="connsiteY15" fmla="*/ 2031045 h 4774245"/>
+              <a:gd name="connsiteX16" fmla="*/ 1019 w 9887325"/>
+              <a:gd name="connsiteY16" fmla="*/ 1421445 h 4774245"/>
+              <a:gd name="connsiteX17" fmla="*/ 302164 w 9887325"/>
+              <a:gd name="connsiteY17" fmla="*/ 426224 h 4774245"/>
+              <a:gd name="connsiteX0" fmla="*/ 302164 w 9887325"/>
+              <a:gd name="connsiteY0" fmla="*/ 426224 h 4774245"/>
+              <a:gd name="connsiteX1" fmla="*/ 1364597 w 9887325"/>
+              <a:gd name="connsiteY1" fmla="*/ 89952 h 4774245"/>
+              <a:gd name="connsiteX2" fmla="*/ 5343040 w 9887325"/>
+              <a:gd name="connsiteY2" fmla="*/ 9740 h 4774245"/>
+              <a:gd name="connsiteX3" fmla="*/ 7669145 w 9887325"/>
+              <a:gd name="connsiteY3" fmla="*/ 266413 h 4774245"/>
+              <a:gd name="connsiteX4" fmla="*/ 9369609 w 9887325"/>
+              <a:gd name="connsiteY4" fmla="*/ 747676 h 4774245"/>
+              <a:gd name="connsiteX5" fmla="*/ 9882956 w 9887325"/>
+              <a:gd name="connsiteY5" fmla="*/ 2303761 h 4774245"/>
+              <a:gd name="connsiteX6" fmla="*/ 9578155 w 9887325"/>
+              <a:gd name="connsiteY6" fmla="*/ 3779634 h 4774245"/>
+              <a:gd name="connsiteX7" fmla="*/ 8920429 w 9887325"/>
+              <a:gd name="connsiteY7" fmla="*/ 4485487 h 4774245"/>
+              <a:gd name="connsiteX8" fmla="*/ 7540808 w 9887325"/>
+              <a:gd name="connsiteY8" fmla="*/ 4758203 h 4774245"/>
+              <a:gd name="connsiteX9" fmla="*/ 5984724 w 9887325"/>
+              <a:gd name="connsiteY9" fmla="*/ 4774245 h 4774245"/>
+              <a:gd name="connsiteX10" fmla="*/ 4556977 w 9887325"/>
+              <a:gd name="connsiteY10" fmla="*/ 4309024 h 4774245"/>
+              <a:gd name="connsiteX11" fmla="*/ 3706745 w 9887325"/>
+              <a:gd name="connsiteY11" fmla="*/ 3073782 h 4774245"/>
+              <a:gd name="connsiteX12" fmla="*/ 3434029 w 9887325"/>
+              <a:gd name="connsiteY12" fmla="*/ 2175424 h 4774245"/>
+              <a:gd name="connsiteX13" fmla="*/ 2214829 w 9887325"/>
+              <a:gd name="connsiteY13" fmla="*/ 2015003 h 4774245"/>
+              <a:gd name="connsiteX14" fmla="*/ 690017 w 9887325"/>
+              <a:gd name="connsiteY14" fmla="*/ 2014190 h 4774245"/>
+              <a:gd name="connsiteX15" fmla="*/ 225607 w 9887325"/>
+              <a:gd name="connsiteY15" fmla="*/ 2031045 h 4774245"/>
+              <a:gd name="connsiteX16" fmla="*/ 1019 w 9887325"/>
+              <a:gd name="connsiteY16" fmla="*/ 1421445 h 4774245"/>
+              <a:gd name="connsiteX17" fmla="*/ 302164 w 9887325"/>
+              <a:gd name="connsiteY17" fmla="*/ 426224 h 4774245"/>
+              <a:gd name="connsiteX0" fmla="*/ 307022 w 9892183"/>
+              <a:gd name="connsiteY0" fmla="*/ 426224 h 4774245"/>
+              <a:gd name="connsiteX1" fmla="*/ 1369455 w 9892183"/>
+              <a:gd name="connsiteY1" fmla="*/ 89952 h 4774245"/>
+              <a:gd name="connsiteX2" fmla="*/ 5347898 w 9892183"/>
+              <a:gd name="connsiteY2" fmla="*/ 9740 h 4774245"/>
+              <a:gd name="connsiteX3" fmla="*/ 7674003 w 9892183"/>
+              <a:gd name="connsiteY3" fmla="*/ 266413 h 4774245"/>
+              <a:gd name="connsiteX4" fmla="*/ 9374467 w 9892183"/>
+              <a:gd name="connsiteY4" fmla="*/ 747676 h 4774245"/>
+              <a:gd name="connsiteX5" fmla="*/ 9887814 w 9892183"/>
+              <a:gd name="connsiteY5" fmla="*/ 2303761 h 4774245"/>
+              <a:gd name="connsiteX6" fmla="*/ 9583013 w 9892183"/>
+              <a:gd name="connsiteY6" fmla="*/ 3779634 h 4774245"/>
+              <a:gd name="connsiteX7" fmla="*/ 8925287 w 9892183"/>
+              <a:gd name="connsiteY7" fmla="*/ 4485487 h 4774245"/>
+              <a:gd name="connsiteX8" fmla="*/ 7545666 w 9892183"/>
+              <a:gd name="connsiteY8" fmla="*/ 4758203 h 4774245"/>
+              <a:gd name="connsiteX9" fmla="*/ 5989582 w 9892183"/>
+              <a:gd name="connsiteY9" fmla="*/ 4774245 h 4774245"/>
+              <a:gd name="connsiteX10" fmla="*/ 4561835 w 9892183"/>
+              <a:gd name="connsiteY10" fmla="*/ 4309024 h 4774245"/>
+              <a:gd name="connsiteX11" fmla="*/ 3711603 w 9892183"/>
+              <a:gd name="connsiteY11" fmla="*/ 3073782 h 4774245"/>
+              <a:gd name="connsiteX12" fmla="*/ 3438887 w 9892183"/>
+              <a:gd name="connsiteY12" fmla="*/ 2175424 h 4774245"/>
+              <a:gd name="connsiteX13" fmla="*/ 2219687 w 9892183"/>
+              <a:gd name="connsiteY13" fmla="*/ 2015003 h 4774245"/>
+              <a:gd name="connsiteX14" fmla="*/ 694875 w 9892183"/>
+              <a:gd name="connsiteY14" fmla="*/ 2014190 h 4774245"/>
+              <a:gd name="connsiteX15" fmla="*/ 161017 w 9892183"/>
+              <a:gd name="connsiteY15" fmla="*/ 1926873 h 4774245"/>
+              <a:gd name="connsiteX16" fmla="*/ 5877 w 9892183"/>
+              <a:gd name="connsiteY16" fmla="*/ 1421445 h 4774245"/>
+              <a:gd name="connsiteX17" fmla="*/ 307022 w 9892183"/>
+              <a:gd name="connsiteY17" fmla="*/ 426224 h 4774245"/>
             </a:gdLst>
             <a:ahLst/>
             <a:cxnLst>
@@ -4954,92 +5062,92 @@
             </a:cxnLst>
             <a:rect l="l" t="t" r="r" b="b"/>
             <a:pathLst>
-              <a:path w="9887568" h="4783089">
+              <a:path w="9892183" h="4774245">
                 <a:moveTo>
-                  <a:pt x="209809" y="724435"/>
+                  <a:pt x="307022" y="426224"/>
                 </a:moveTo>
                 <a:cubicBezTo>
-                  <a:pt x="437072" y="502520"/>
-                  <a:pt x="509261" y="216438"/>
-                  <a:pt x="1364840" y="98796"/>
+                  <a:pt x="534285" y="204309"/>
+                  <a:pt x="529309" y="159366"/>
+                  <a:pt x="1369455" y="89952"/>
                 </a:cubicBezTo>
                 <a:cubicBezTo>
-                  <a:pt x="2220419" y="-18846"/>
-                  <a:pt x="4292525" y="-10826"/>
-                  <a:pt x="5343283" y="18584"/>
+                  <a:pt x="2209601" y="20538"/>
+                  <a:pt x="4297140" y="-19670"/>
+                  <a:pt x="5347898" y="9740"/>
                 </a:cubicBezTo>
                 <a:cubicBezTo>
-                  <a:pt x="6394041" y="47994"/>
-                  <a:pt x="6998293" y="152268"/>
-                  <a:pt x="7669388" y="275257"/>
+                  <a:pt x="6398656" y="39150"/>
+                  <a:pt x="7002908" y="143424"/>
+                  <a:pt x="7674003" y="266413"/>
                 </a:cubicBezTo>
                 <a:cubicBezTo>
-                  <a:pt x="8340483" y="398246"/>
-                  <a:pt x="9000884" y="416962"/>
-                  <a:pt x="9369852" y="756520"/>
+                  <a:pt x="8345098" y="389402"/>
+                  <a:pt x="9005499" y="408118"/>
+                  <a:pt x="9374467" y="747676"/>
                 </a:cubicBezTo>
                 <a:cubicBezTo>
-                  <a:pt x="9738820" y="1096078"/>
-                  <a:pt x="9848441" y="1807279"/>
-                  <a:pt x="9883199" y="2312605"/>
+                  <a:pt x="9743435" y="1087234"/>
+                  <a:pt x="9853056" y="1798435"/>
+                  <a:pt x="9887814" y="2303761"/>
                 </a:cubicBezTo>
                 <a:cubicBezTo>
-                  <a:pt x="9917957" y="2817931"/>
-                  <a:pt x="9738819" y="3424857"/>
-                  <a:pt x="9578398" y="3788478"/>
+                  <a:pt x="9922572" y="2809087"/>
+                  <a:pt x="9743434" y="3416013"/>
+                  <a:pt x="9583013" y="3779634"/>
                 </a:cubicBezTo>
                 <a:cubicBezTo>
-                  <a:pt x="9417977" y="4152099"/>
-                  <a:pt x="9260230" y="4331236"/>
-                  <a:pt x="8920672" y="4494331"/>
+                  <a:pt x="9422592" y="4143255"/>
+                  <a:pt x="9264845" y="4322392"/>
+                  <a:pt x="8925287" y="4485487"/>
                 </a:cubicBezTo>
                 <a:cubicBezTo>
-                  <a:pt x="8581114" y="4657426"/>
-                  <a:pt x="8059746" y="4761700"/>
-                  <a:pt x="7541051" y="4767047"/>
+                  <a:pt x="8585729" y="4648582"/>
+                  <a:pt x="8064361" y="4752856"/>
+                  <a:pt x="7545666" y="4758203"/>
                 </a:cubicBezTo>
                 <a:lnTo>
-                  <a:pt x="5984967" y="4783089"/>
+                  <a:pt x="5989582" y="4774245"/>
                 </a:lnTo>
                 <a:cubicBezTo>
-                  <a:pt x="5487662" y="4708226"/>
-                  <a:pt x="4840631" y="4729615"/>
-                  <a:pt x="4557220" y="4317868"/>
+                  <a:pt x="5492277" y="4699382"/>
+                  <a:pt x="4845246" y="4720771"/>
+                  <a:pt x="4561835" y="4309024"/>
                 </a:cubicBezTo>
                 <a:cubicBezTo>
-                  <a:pt x="4273809" y="3906121"/>
-                  <a:pt x="3894146" y="3438226"/>
-                  <a:pt x="3706988" y="3082626"/>
+                  <a:pt x="4278424" y="3897277"/>
+                  <a:pt x="3898761" y="3429382"/>
+                  <a:pt x="3711603" y="3073782"/>
                 </a:cubicBezTo>
                 <a:cubicBezTo>
-                  <a:pt x="3519830" y="2727026"/>
-                  <a:pt x="3610735" y="2473026"/>
-                  <a:pt x="3434272" y="2184268"/>
+                  <a:pt x="3524445" y="2718182"/>
+                  <a:pt x="3615350" y="2464182"/>
+                  <a:pt x="3438887" y="2175424"/>
                 </a:cubicBezTo>
                 <a:cubicBezTo>
-                  <a:pt x="3257809" y="1895510"/>
-                  <a:pt x="2658903" y="2037215"/>
-                  <a:pt x="2215072" y="2023847"/>
+                  <a:pt x="3262424" y="1886666"/>
+                  <a:pt x="2677022" y="2041875"/>
+                  <a:pt x="2219687" y="2015003"/>
                 </a:cubicBezTo>
                 <a:cubicBezTo>
-                  <a:pt x="1771241" y="2010479"/>
-                  <a:pt x="1102820" y="2101383"/>
-                  <a:pt x="771283" y="2104057"/>
+                  <a:pt x="1762352" y="1988131"/>
+                  <a:pt x="1037987" y="2028878"/>
+                  <a:pt x="694875" y="2014190"/>
                 </a:cubicBezTo>
                 <a:cubicBezTo>
-                  <a:pt x="439746" y="2106731"/>
-                  <a:pt x="354187" y="2152184"/>
-                  <a:pt x="225850" y="2039889"/>
+                  <a:pt x="351763" y="1999502"/>
+                  <a:pt x="289354" y="2039168"/>
+                  <a:pt x="161017" y="1926873"/>
                 </a:cubicBezTo>
                 <a:cubicBezTo>
-                  <a:pt x="97513" y="1927594"/>
-                  <a:pt x="3936" y="1649531"/>
-                  <a:pt x="1262" y="1430289"/>
+                  <a:pt x="32680" y="1814578"/>
+                  <a:pt x="-18457" y="1671553"/>
+                  <a:pt x="5877" y="1421445"/>
                 </a:cubicBezTo>
                 <a:cubicBezTo>
-                  <a:pt x="-1412" y="1211047"/>
-                  <a:pt x="-17454" y="946351"/>
-                  <a:pt x="209809" y="724435"/>
+                  <a:pt x="30211" y="1171337"/>
+                  <a:pt x="79759" y="648140"/>
+                  <a:pt x="307022" y="426224"/>
                 </a:cubicBezTo>
                 <a:close/>
               </a:path>
@@ -6909,14 +7017,14 @@
           </p:cNvPr>
           <p:cNvCxnSpPr>
             <a:cxnSpLocks/>
-            <a:stCxn id="45" idx="3"/>
+            <a:stCxn id="51" idx="3"/>
           </p:cNvCxnSpPr>
           <p:nvPr/>
         </p:nvCxnSpPr>
         <p:spPr>
           <a:xfrm flipV="1">
-            <a:off x="4542008" y="2370107"/>
-            <a:ext cx="2354745" cy="676928"/>
+            <a:off x="4544524" y="2370108"/>
+            <a:ext cx="2352229" cy="475298"/>
           </a:xfrm>
           <a:prstGeom prst="straightConnector1">
             <a:avLst/>
@@ -7270,8 +7378,8 @@
         </p:nvSpPr>
         <p:spPr>
           <a:xfrm>
-            <a:off x="2784328" y="2641053"/>
-            <a:ext cx="1757680" cy="811964"/>
+            <a:off x="2066795" y="2641053"/>
+            <a:ext cx="2475213" cy="811964"/>
           </a:xfrm>
           <a:prstGeom prst="rect">
             <a:avLst/>
@@ -7310,7 +7418,6 @@
           <a:bodyPr rtlCol="0" anchor="ctr"/>
           <a:lstStyle/>
           <a:p>
-            <a:pPr algn="ctr"/>
             <a:r>
               <a:rPr lang="en-US" dirty="0">
                 <a:solidFill>
@@ -7321,7 +7428,7 @@
                 </a:solidFill>
                 <a:latin typeface="Helvetica" pitchFamily="2" charset="0"/>
               </a:rPr>
-              <a:t>Constraints</a:t>
+              <a:t> Constraints    </a:t>
             </a:r>
           </a:p>
         </p:txBody>
@@ -7356,6 +7463,186 @@
           </a:prstGeom>
         </p:spPr>
       </p:pic>
+      <p:sp>
+        <p:nvSpPr>
+          <p:cNvPr id="51" name="Rectangle 50">
+            <a:extLst>
+              <a:ext uri="{FF2B5EF4-FFF2-40B4-BE49-F238E27FC236}">
+                <a16:creationId xmlns:a16="http://schemas.microsoft.com/office/drawing/2014/main" id="{86F06F3D-F6F5-534D-8958-E94450D898AB}"/>
+              </a:ext>
+            </a:extLst>
+          </p:cNvPr>
+          <p:cNvSpPr/>
+          <p:nvPr/>
+        </p:nvSpPr>
+        <p:spPr>
+          <a:xfrm>
+            <a:off x="3522841" y="2643776"/>
+            <a:ext cx="1021683" cy="403259"/>
+          </a:xfrm>
+          <a:prstGeom prst="rect">
+            <a:avLst/>
+          </a:prstGeom>
+          <a:noFill/>
+          <a:ln w="12700">
+            <a:solidFill>
+              <a:schemeClr val="tx1">
+                <a:lumMod val="75000"/>
+                <a:lumOff val="25000"/>
+              </a:schemeClr>
+            </a:solidFill>
+          </a:ln>
+        </p:spPr>
+        <p:style>
+          <a:lnRef idx="2">
+            <a:schemeClr val="accent1">
+              <a:shade val="50000"/>
+            </a:schemeClr>
+          </a:lnRef>
+          <a:fillRef idx="1">
+            <a:schemeClr val="accent1"/>
+          </a:fillRef>
+          <a:effectRef idx="0">
+            <a:schemeClr val="accent1"/>
+          </a:effectRef>
+          <a:fontRef idx="minor">
+            <a:schemeClr val="lt1"/>
+          </a:fontRef>
+        </p:style>
+        <p:txBody>
+          <a:bodyPr rtlCol="0" anchor="ctr"/>
+          <a:lstStyle/>
+          <a:p>
+            <a:pPr algn="ctr"/>
+            <a:r>
+              <a:rPr lang="en-US" sz="1400" dirty="0">
+                <a:solidFill>
+                  <a:schemeClr val="tx1">
+                    <a:lumMod val="95000"/>
+                    <a:lumOff val="5000"/>
+                  </a:schemeClr>
+                </a:solidFill>
+                <a:latin typeface="Helvetica" pitchFamily="2" charset="0"/>
+              </a:rPr>
+              <a:t>Explicit</a:t>
+            </a:r>
+          </a:p>
+        </p:txBody>
+      </p:sp>
+      <p:sp>
+        <p:nvSpPr>
+          <p:cNvPr id="52" name="Rectangle 51">
+            <a:extLst>
+              <a:ext uri="{FF2B5EF4-FFF2-40B4-BE49-F238E27FC236}">
+                <a16:creationId xmlns:a16="http://schemas.microsoft.com/office/drawing/2014/main" id="{99571AA7-A61D-2440-9D1B-E22FA65631C5}"/>
+              </a:ext>
+            </a:extLst>
+          </p:cNvPr>
+          <p:cNvSpPr/>
+          <p:nvPr/>
+        </p:nvSpPr>
+        <p:spPr>
+          <a:xfrm>
+            <a:off x="3523884" y="3047035"/>
+            <a:ext cx="1021683" cy="403259"/>
+          </a:xfrm>
+          <a:prstGeom prst="rect">
+            <a:avLst/>
+          </a:prstGeom>
+          <a:noFill/>
+          <a:ln w="12700">
+            <a:solidFill>
+              <a:schemeClr val="tx1">
+                <a:lumMod val="75000"/>
+                <a:lumOff val="25000"/>
+              </a:schemeClr>
+            </a:solidFill>
+          </a:ln>
+        </p:spPr>
+        <p:style>
+          <a:lnRef idx="2">
+            <a:schemeClr val="accent1">
+              <a:shade val="50000"/>
+            </a:schemeClr>
+          </a:lnRef>
+          <a:fillRef idx="1">
+            <a:schemeClr val="accent1"/>
+          </a:fillRef>
+          <a:effectRef idx="0">
+            <a:schemeClr val="accent1"/>
+          </a:effectRef>
+          <a:fontRef idx="minor">
+            <a:schemeClr val="lt1"/>
+          </a:fontRef>
+        </p:style>
+        <p:txBody>
+          <a:bodyPr rtlCol="0" anchor="ctr"/>
+          <a:lstStyle/>
+          <a:p>
+            <a:pPr algn="ctr"/>
+            <a:r>
+              <a:rPr lang="en-US" sz="1400" dirty="0">
+                <a:solidFill>
+                  <a:schemeClr val="tx1">
+                    <a:lumMod val="95000"/>
+                    <a:lumOff val="5000"/>
+                  </a:schemeClr>
+                </a:solidFill>
+                <a:latin typeface="Helvetica" pitchFamily="2" charset="0"/>
+              </a:rPr>
+              <a:t>Implicit</a:t>
+            </a:r>
+          </a:p>
+        </p:txBody>
+      </p:sp>
+      <p:cxnSp>
+        <p:nvCxnSpPr>
+          <p:cNvPr id="58" name="Straight Arrow Connector 57">
+            <a:extLst>
+              <a:ext uri="{FF2B5EF4-FFF2-40B4-BE49-F238E27FC236}">
+                <a16:creationId xmlns:a16="http://schemas.microsoft.com/office/drawing/2014/main" id="{D5B45DB0-70DA-B648-B07E-3284047D6AF6}"/>
+              </a:ext>
+            </a:extLst>
+          </p:cNvPr>
+          <p:cNvCxnSpPr>
+            <a:cxnSpLocks/>
+            <a:stCxn id="52" idx="3"/>
+          </p:cNvCxnSpPr>
+          <p:nvPr/>
+        </p:nvCxnSpPr>
+        <p:spPr>
+          <a:xfrm flipV="1">
+            <a:off x="4545567" y="3056619"/>
+            <a:ext cx="1530917" cy="192046"/>
+          </a:xfrm>
+          <a:prstGeom prst="straightConnector1">
+            <a:avLst/>
+          </a:prstGeom>
+          <a:ln w="57150">
+            <a:solidFill>
+              <a:schemeClr val="tx1">
+                <a:lumMod val="85000"/>
+                <a:lumOff val="15000"/>
+              </a:schemeClr>
+            </a:solidFill>
+            <a:tailEnd type="triangle"/>
+          </a:ln>
+        </p:spPr>
+        <p:style>
+          <a:lnRef idx="1">
+            <a:schemeClr val="accent1"/>
+          </a:lnRef>
+          <a:fillRef idx="0">
+            <a:schemeClr val="accent1"/>
+          </a:fillRef>
+          <a:effectRef idx="0">
+            <a:schemeClr val="accent1"/>
+          </a:effectRef>
+          <a:fontRef idx="minor">
+            <a:schemeClr val="tx1"/>
+          </a:fontRef>
+        </p:style>
+      </p:cxnSp>
     </p:spTree>
     <p:extLst>
       <p:ext uri="{BB962C8B-B14F-4D97-AF65-F5344CB8AC3E}">

--- a/vss-2019/img/continuous-architecting.pptx
+++ b/vss-2019/img/continuous-architecting.pptx
@@ -7543,8 +7543,8 @@
         </p:nvSpPr>
         <p:spPr>
           <a:xfrm>
-            <a:off x="3523884" y="3047035"/>
-            <a:ext cx="1021683" cy="403259"/>
+            <a:off x="3522842" y="3047035"/>
+            <a:ext cx="1022726" cy="403259"/>
           </a:xfrm>
           <a:prstGeom prst="rect">
             <a:avLst/>
@@ -7612,8 +7612,8 @@
         </p:nvCxnSpPr>
         <p:spPr>
           <a:xfrm flipV="1">
-            <a:off x="4545567" y="3056619"/>
-            <a:ext cx="1530917" cy="192046"/>
+            <a:off x="4545568" y="3056619"/>
+            <a:ext cx="1530916" cy="192046"/>
           </a:xfrm>
           <a:prstGeom prst="straightConnector1">
             <a:avLst/>
